--- a/Documents/USTTL Sunum.pptx
+++ b/Documents/USTTL Sunum.pptx
@@ -9,12 +9,8 @@
     <p:sldId id="257" r:id="rId3"/>
     <p:sldId id="258" r:id="rId4"/>
     <p:sldId id="259" r:id="rId5"/>
-    <p:sldId id="263" r:id="rId6"/>
-    <p:sldId id="264" r:id="rId7"/>
-    <p:sldId id="260" r:id="rId8"/>
-    <p:sldId id="261" r:id="rId9"/>
-    <p:sldId id="265" r:id="rId10"/>
-    <p:sldId id="262" r:id="rId11"/>
+    <p:sldId id="264" r:id="rId6"/>
+    <p:sldId id="261" r:id="rId7"/>
   </p:sldIdLst>
   <p:sldSz cx="12192000" cy="6858000"/>
   <p:notesSz cx="6858000" cy="9144000"/>
@@ -268,7 +264,7 @@
           <a:p>
             <a:fld id="{DAA4956B-BC1A-4B8D-8ADC-F66019E16DDF}" type="datetimeFigureOut">
               <a:rPr lang="en-US" smtClean="0"/>
-              <a:t>12/3/2022</a:t>
+              <a:t>12/4/2022</a:t>
             </a:fld>
             <a:endParaRPr lang="en-US"/>
           </a:p>
@@ -466,7 +462,7 @@
           <a:p>
             <a:fld id="{DAA4956B-BC1A-4B8D-8ADC-F66019E16DDF}" type="datetimeFigureOut">
               <a:rPr lang="en-US" smtClean="0"/>
-              <a:t>12/3/2022</a:t>
+              <a:t>12/4/2022</a:t>
             </a:fld>
             <a:endParaRPr lang="en-US"/>
           </a:p>
@@ -674,7 +670,7 @@
           <a:p>
             <a:fld id="{DAA4956B-BC1A-4B8D-8ADC-F66019E16DDF}" type="datetimeFigureOut">
               <a:rPr lang="en-US" smtClean="0"/>
-              <a:t>12/3/2022</a:t>
+              <a:t>12/4/2022</a:t>
             </a:fld>
             <a:endParaRPr lang="en-US"/>
           </a:p>
@@ -872,7 +868,7 @@
           <a:p>
             <a:fld id="{DAA4956B-BC1A-4B8D-8ADC-F66019E16DDF}" type="datetimeFigureOut">
               <a:rPr lang="en-US" smtClean="0"/>
-              <a:t>12/3/2022</a:t>
+              <a:t>12/4/2022</a:t>
             </a:fld>
             <a:endParaRPr lang="en-US"/>
           </a:p>
@@ -1147,7 +1143,7 @@
           <a:p>
             <a:fld id="{DAA4956B-BC1A-4B8D-8ADC-F66019E16DDF}" type="datetimeFigureOut">
               <a:rPr lang="en-US" smtClean="0"/>
-              <a:t>12/3/2022</a:t>
+              <a:t>12/4/2022</a:t>
             </a:fld>
             <a:endParaRPr lang="en-US"/>
           </a:p>
@@ -1412,7 +1408,7 @@
           <a:p>
             <a:fld id="{DAA4956B-BC1A-4B8D-8ADC-F66019E16DDF}" type="datetimeFigureOut">
               <a:rPr lang="en-US" smtClean="0"/>
-              <a:t>12/3/2022</a:t>
+              <a:t>12/4/2022</a:t>
             </a:fld>
             <a:endParaRPr lang="en-US"/>
           </a:p>
@@ -1824,7 +1820,7 @@
           <a:p>
             <a:fld id="{DAA4956B-BC1A-4B8D-8ADC-F66019E16DDF}" type="datetimeFigureOut">
               <a:rPr lang="en-US" smtClean="0"/>
-              <a:t>12/3/2022</a:t>
+              <a:t>12/4/2022</a:t>
             </a:fld>
             <a:endParaRPr lang="en-US"/>
           </a:p>
@@ -1965,7 +1961,7 @@
           <a:p>
             <a:fld id="{DAA4956B-BC1A-4B8D-8ADC-F66019E16DDF}" type="datetimeFigureOut">
               <a:rPr lang="en-US" smtClean="0"/>
-              <a:t>12/3/2022</a:t>
+              <a:t>12/4/2022</a:t>
             </a:fld>
             <a:endParaRPr lang="en-US"/>
           </a:p>
@@ -2078,7 +2074,7 @@
           <a:p>
             <a:fld id="{DAA4956B-BC1A-4B8D-8ADC-F66019E16DDF}" type="datetimeFigureOut">
               <a:rPr lang="en-US" smtClean="0"/>
-              <a:t>12/3/2022</a:t>
+              <a:t>12/4/2022</a:t>
             </a:fld>
             <a:endParaRPr lang="en-US"/>
           </a:p>
@@ -2389,7 +2385,7 @@
           <a:p>
             <a:fld id="{DAA4956B-BC1A-4B8D-8ADC-F66019E16DDF}" type="datetimeFigureOut">
               <a:rPr lang="en-US" smtClean="0"/>
-              <a:t>12/3/2022</a:t>
+              <a:t>12/4/2022</a:t>
             </a:fld>
             <a:endParaRPr lang="en-US"/>
           </a:p>
@@ -2677,7 +2673,7 @@
           <a:p>
             <a:fld id="{DAA4956B-BC1A-4B8D-8ADC-F66019E16DDF}" type="datetimeFigureOut">
               <a:rPr lang="en-US" smtClean="0"/>
-              <a:t>12/3/2022</a:t>
+              <a:t>12/4/2022</a:t>
             </a:fld>
             <a:endParaRPr lang="en-US"/>
           </a:p>
@@ -2918,7 +2914,7 @@
           <a:p>
             <a:fld id="{DAA4956B-BC1A-4B8D-8ADC-F66019E16DDF}" type="datetimeFigureOut">
               <a:rPr lang="en-US" smtClean="0"/>
-              <a:t>12/3/2022</a:t>
+              <a:t>12/4/2022</a:t>
             </a:fld>
             <a:endParaRPr lang="en-US"/>
           </a:p>
@@ -3401,89 +3397,6 @@
 </p:sld>
 </file>
 
-<file path=ppt/slides/slide10.xml><?xml version="1.0" encoding="utf-8"?>
-<p:sld xmlns:a="http://schemas.openxmlformats.org/drawingml/2006/main" xmlns:r="http://schemas.openxmlformats.org/officeDocument/2006/relationships" xmlns:p="http://schemas.openxmlformats.org/presentationml/2006/main">
-  <p:cSld>
-    <p:spTree>
-      <p:nvGrpSpPr>
-        <p:cNvPr id="1" name=""/>
-        <p:cNvGrpSpPr/>
-        <p:nvPr/>
-      </p:nvGrpSpPr>
-      <p:grpSpPr>
-        <a:xfrm>
-          <a:off x="0" y="0"/>
-          <a:ext cx="0" cy="0"/>
-          <a:chOff x="0" y="0"/>
-          <a:chExt cx="0" cy="0"/>
-        </a:xfrm>
-      </p:grpSpPr>
-      <p:sp>
-        <p:nvSpPr>
-          <p:cNvPr id="2" name="Title 1">
-            <a:extLst>
-              <a:ext uri="{FF2B5EF4-FFF2-40B4-BE49-F238E27FC236}">
-                <a16:creationId xmlns:a16="http://schemas.microsoft.com/office/drawing/2014/main" id="{9A301322-F7A8-4C76-B0C9-0F773A48692C}"/>
-              </a:ext>
-            </a:extLst>
-          </p:cNvPr>
-          <p:cNvSpPr>
-            <a:spLocks noGrp="1"/>
-          </p:cNvSpPr>
-          <p:nvPr>
-            <p:ph type="title"/>
-          </p:nvPr>
-        </p:nvSpPr>
-        <p:spPr/>
-        <p:txBody>
-          <a:bodyPr/>
-          <a:lstStyle/>
-          <a:p>
-            <a:r>
-              <a:rPr lang="en-US" dirty="0"/>
-              <a:t>FPGA</a:t>
-            </a:r>
-          </a:p>
-        </p:txBody>
-      </p:sp>
-      <p:sp>
-        <p:nvSpPr>
-          <p:cNvPr id="3" name="Content Placeholder 2">
-            <a:extLst>
-              <a:ext uri="{FF2B5EF4-FFF2-40B4-BE49-F238E27FC236}">
-                <a16:creationId xmlns:a16="http://schemas.microsoft.com/office/drawing/2014/main" id="{A9140626-D890-4F0D-AB85-F3AF6B1E70CA}"/>
-              </a:ext>
-            </a:extLst>
-          </p:cNvPr>
-          <p:cNvSpPr>
-            <a:spLocks noGrp="1"/>
-          </p:cNvSpPr>
-          <p:nvPr>
-            <p:ph idx="1"/>
-          </p:nvPr>
-        </p:nvSpPr>
-        <p:spPr/>
-        <p:txBody>
-          <a:bodyPr/>
-          <a:lstStyle/>
-          <a:p>
-            <a:endParaRPr lang="en-US"/>
-          </a:p>
-        </p:txBody>
-      </p:sp>
-    </p:spTree>
-    <p:extLst>
-      <p:ext uri="{BB962C8B-B14F-4D97-AF65-F5344CB8AC3E}">
-        <p14:creationId xmlns:p14="http://schemas.microsoft.com/office/powerpoint/2010/main" val="573812344"/>
-      </p:ext>
-    </p:extLst>
-  </p:cSld>
-  <p:clrMapOvr>
-    <a:masterClrMapping/>
-  </p:clrMapOvr>
-</p:sld>
-</file>
-
 <file path=ppt/slides/slide2.xml><?xml version="1.0" encoding="utf-8"?>
 <p:sld xmlns:a="http://schemas.openxmlformats.org/drawingml/2006/main" xmlns:r="http://schemas.openxmlformats.org/officeDocument/2006/relationships" xmlns:p="http://schemas.openxmlformats.org/presentationml/2006/main">
   <p:cSld>
@@ -3649,10 +3562,10 @@
       </p:sp>
       <p:pic>
         <p:nvPicPr>
-          <p:cNvPr id="7" name="Picture 6">
-            <a:extLst>
-              <a:ext uri="{FF2B5EF4-FFF2-40B4-BE49-F238E27FC236}">
-                <a16:creationId xmlns:a16="http://schemas.microsoft.com/office/drawing/2014/main" id="{27244457-50E3-4732-A491-2DB37EF2EC65}"/>
+          <p:cNvPr id="4" name="Picture 3">
+            <a:extLst>
+              <a:ext uri="{FF2B5EF4-FFF2-40B4-BE49-F238E27FC236}">
+                <a16:creationId xmlns:a16="http://schemas.microsoft.com/office/drawing/2014/main" id="{B8550492-5B9F-41F6-84DF-2DF5CDC8C173}"/>
               </a:ext>
             </a:extLst>
           </p:cNvPr>
@@ -3669,8 +3582,8 @@
         </p:blipFill>
         <p:spPr>
           <a:xfrm>
-            <a:off x="3266863" y="1816100"/>
-            <a:ext cx="5658273" cy="4243705"/>
+            <a:off x="3798570" y="826770"/>
+            <a:ext cx="6576060" cy="5844540"/>
           </a:xfrm>
           <a:prstGeom prst="rect">
             <a:avLst/>
@@ -3737,10 +3650,10 @@
       </p:sp>
       <p:pic>
         <p:nvPicPr>
-          <p:cNvPr id="5" name="Picture 4">
-            <a:extLst>
-              <a:ext uri="{FF2B5EF4-FFF2-40B4-BE49-F238E27FC236}">
-                <a16:creationId xmlns:a16="http://schemas.microsoft.com/office/drawing/2014/main" id="{69475AFD-7E8A-4292-BCA7-0A7D14150E0C}"/>
+          <p:cNvPr id="4" name="Picture 3">
+            <a:extLst>
+              <a:ext uri="{FF2B5EF4-FFF2-40B4-BE49-F238E27FC236}">
+                <a16:creationId xmlns:a16="http://schemas.microsoft.com/office/drawing/2014/main" id="{9D28C9E5-D550-4DA8-93F6-1D1130BF9989}"/>
               </a:ext>
             </a:extLst>
           </p:cNvPr>
@@ -3757,7 +3670,7 @@
         </p:blipFill>
         <p:spPr>
           <a:xfrm>
-            <a:off x="1906905" y="1639094"/>
+            <a:off x="1764030" y="1690688"/>
             <a:ext cx="8663940" cy="4724400"/>
           </a:xfrm>
           <a:prstGeom prst="rect">
@@ -3779,89 +3692,6 @@
 </file>
 
 <file path=ppt/slides/slide5.xml><?xml version="1.0" encoding="utf-8"?>
-<p:sld xmlns:a="http://schemas.openxmlformats.org/drawingml/2006/main" xmlns:r="http://schemas.openxmlformats.org/officeDocument/2006/relationships" xmlns:p="http://schemas.openxmlformats.org/presentationml/2006/main">
-  <p:cSld>
-    <p:spTree>
-      <p:nvGrpSpPr>
-        <p:cNvPr id="1" name=""/>
-        <p:cNvGrpSpPr/>
-        <p:nvPr/>
-      </p:nvGrpSpPr>
-      <p:grpSpPr>
-        <a:xfrm>
-          <a:off x="0" y="0"/>
-          <a:ext cx="0" cy="0"/>
-          <a:chOff x="0" y="0"/>
-          <a:chExt cx="0" cy="0"/>
-        </a:xfrm>
-      </p:grpSpPr>
-      <p:sp>
-        <p:nvSpPr>
-          <p:cNvPr id="2" name="Title 1">
-            <a:extLst>
-              <a:ext uri="{FF2B5EF4-FFF2-40B4-BE49-F238E27FC236}">
-                <a16:creationId xmlns:a16="http://schemas.microsoft.com/office/drawing/2014/main" id="{8475D954-97EE-4CA4-B2AD-61ECDCE28868}"/>
-              </a:ext>
-            </a:extLst>
-          </p:cNvPr>
-          <p:cNvSpPr>
-            <a:spLocks noGrp="1"/>
-          </p:cNvSpPr>
-          <p:nvPr>
-            <p:ph type="title"/>
-          </p:nvPr>
-        </p:nvSpPr>
-        <p:spPr/>
-        <p:txBody>
-          <a:bodyPr/>
-          <a:lstStyle/>
-          <a:p>
-            <a:r>
-              <a:rPr lang="en-US" dirty="0"/>
-              <a:t>Secondary MCUs</a:t>
-            </a:r>
-          </a:p>
-        </p:txBody>
-      </p:sp>
-      <p:sp>
-        <p:nvSpPr>
-          <p:cNvPr id="3" name="Content Placeholder 2">
-            <a:extLst>
-              <a:ext uri="{FF2B5EF4-FFF2-40B4-BE49-F238E27FC236}">
-                <a16:creationId xmlns:a16="http://schemas.microsoft.com/office/drawing/2014/main" id="{55624885-A56E-4537-93FA-4599326008A9}"/>
-              </a:ext>
-            </a:extLst>
-          </p:cNvPr>
-          <p:cNvSpPr>
-            <a:spLocks noGrp="1"/>
-          </p:cNvSpPr>
-          <p:nvPr>
-            <p:ph idx="1"/>
-          </p:nvPr>
-        </p:nvSpPr>
-        <p:spPr/>
-        <p:txBody>
-          <a:bodyPr/>
-          <a:lstStyle/>
-          <a:p>
-            <a:endParaRPr lang="en-US"/>
-          </a:p>
-        </p:txBody>
-      </p:sp>
-    </p:spTree>
-    <p:extLst>
-      <p:ext uri="{BB962C8B-B14F-4D97-AF65-F5344CB8AC3E}">
-        <p14:creationId xmlns:p14="http://schemas.microsoft.com/office/powerpoint/2010/main" val="329805037"/>
-      </p:ext>
-    </p:extLst>
-  </p:cSld>
-  <p:clrMapOvr>
-    <a:masterClrMapping/>
-  </p:clrMapOvr>
-</p:sld>
-</file>
-
-<file path=ppt/slides/slide6.xml><?xml version="1.0" encoding="utf-8"?>
 <p:sld xmlns:a="http://schemas.openxmlformats.org/drawingml/2006/main" xmlns:r="http://schemas.openxmlformats.org/officeDocument/2006/relationships" xmlns:p="http://schemas.openxmlformats.org/presentationml/2006/main">
   <p:cSld>
     <p:spTree>
@@ -3984,13 +3814,7 @@
                       <a:rPr lang="en-US" i="1" dirty="0" smtClean="0">
                         <a:latin typeface="Cambria Math" panose="02040503050406030204" pitchFamily="18" charset="0"/>
                       </a:rPr>
-                      <m:t> ∗</m:t>
-                    </m:r>
-                    <m:r>
-                      <a:rPr lang="en-US" i="1" dirty="0">
-                        <a:latin typeface="Cambria Math" panose="02040503050406030204" pitchFamily="18" charset="0"/>
-                      </a:rPr>
-                      <m:t> </m:t>
+                      <m:t> ∗ </m:t>
                     </m:r>
                     <m:r>
                       <a:rPr lang="en-US" i="1" dirty="0" smtClean="0">
@@ -4695,7 +4519,7 @@
 </p:sld>
 </file>
 
-<file path=ppt/slides/slide7.xml><?xml version="1.0" encoding="utf-8"?>
+<file path=ppt/slides/slide6.xml><?xml version="1.0" encoding="utf-8"?>
 <p:sld xmlns:a="http://schemas.openxmlformats.org/drawingml/2006/main" xmlns:r="http://schemas.openxmlformats.org/officeDocument/2006/relationships" xmlns:p="http://schemas.openxmlformats.org/presentationml/2006/main">
   <p:cSld>
     <p:spTree>
@@ -4717,92 +4541,6 @@
           <p:cNvPr id="2" name="Title 1">
             <a:extLst>
               <a:ext uri="{FF2B5EF4-FFF2-40B4-BE49-F238E27FC236}">
-                <a16:creationId xmlns:a16="http://schemas.microsoft.com/office/drawing/2014/main" id="{39D84188-DABE-4D2A-8DBF-F366DA5EA79F}"/>
-              </a:ext>
-            </a:extLst>
-          </p:cNvPr>
-          <p:cNvSpPr>
-            <a:spLocks noGrp="1"/>
-          </p:cNvSpPr>
-          <p:nvPr>
-            <p:ph type="title"/>
-          </p:nvPr>
-        </p:nvSpPr>
-        <p:spPr/>
-        <p:txBody>
-          <a:bodyPr/>
-          <a:lstStyle/>
-          <a:p>
-            <a:r>
-              <a:rPr lang="en-US" dirty="0"/>
-              <a:t>Memory</a:t>
-            </a:r>
-          </a:p>
-        </p:txBody>
-      </p:sp>
-      <p:sp>
-        <p:nvSpPr>
-          <p:cNvPr id="3" name="Content Placeholder 2">
-            <a:extLst>
-              <a:ext uri="{FF2B5EF4-FFF2-40B4-BE49-F238E27FC236}">
-                <a16:creationId xmlns:a16="http://schemas.microsoft.com/office/drawing/2014/main" id="{8A8EF1E9-1553-4F86-A109-77C7BF63C8BB}"/>
-              </a:ext>
-            </a:extLst>
-          </p:cNvPr>
-          <p:cNvSpPr>
-            <a:spLocks noGrp="1"/>
-          </p:cNvSpPr>
-          <p:nvPr>
-            <p:ph idx="1"/>
-          </p:nvPr>
-        </p:nvSpPr>
-        <p:spPr/>
-        <p:txBody>
-          <a:bodyPr/>
-          <a:lstStyle/>
-          <a:p>
-            <a:r>
-              <a:rPr lang="en-US" dirty="0"/>
-              <a:t>We suggest a rad-hard program memory and at least tens of megabytes of bulk memory</a:t>
-            </a:r>
-          </a:p>
-        </p:txBody>
-      </p:sp>
-    </p:spTree>
-    <p:extLst>
-      <p:ext uri="{BB962C8B-B14F-4D97-AF65-F5344CB8AC3E}">
-        <p14:creationId xmlns:p14="http://schemas.microsoft.com/office/powerpoint/2010/main" val="1000338373"/>
-      </p:ext>
-    </p:extLst>
-  </p:cSld>
-  <p:clrMapOvr>
-    <a:masterClrMapping/>
-  </p:clrMapOvr>
-</p:sld>
-</file>
-
-<file path=ppt/slides/slide8.xml><?xml version="1.0" encoding="utf-8"?>
-<p:sld xmlns:a="http://schemas.openxmlformats.org/drawingml/2006/main" xmlns:r="http://schemas.openxmlformats.org/officeDocument/2006/relationships" xmlns:p="http://schemas.openxmlformats.org/presentationml/2006/main">
-  <p:cSld>
-    <p:spTree>
-      <p:nvGrpSpPr>
-        <p:cNvPr id="1" name=""/>
-        <p:cNvGrpSpPr/>
-        <p:nvPr/>
-      </p:nvGrpSpPr>
-      <p:grpSpPr>
-        <a:xfrm>
-          <a:off x="0" y="0"/>
-          <a:ext cx="0" cy="0"/>
-          <a:chOff x="0" y="0"/>
-          <a:chExt cx="0" cy="0"/>
-        </a:xfrm>
-      </p:grpSpPr>
-      <p:sp>
-        <p:nvSpPr>
-          <p:cNvPr id="2" name="Title 1">
-            <a:extLst>
-              <a:ext uri="{FF2B5EF4-FFF2-40B4-BE49-F238E27FC236}">
                 <a16:creationId xmlns:a16="http://schemas.microsoft.com/office/drawing/2014/main" id="{9AD1907B-A4D7-4FA3-A301-A12C50A19A2A}"/>
               </a:ext>
             </a:extLst>
@@ -4823,31 +4561,6 @@
               <a:rPr lang="en-US" dirty="0"/>
               <a:t>Clock</a:t>
             </a:r>
-          </a:p>
-        </p:txBody>
-      </p:sp>
-      <p:sp>
-        <p:nvSpPr>
-          <p:cNvPr id="3" name="Content Placeholder 2">
-            <a:extLst>
-              <a:ext uri="{FF2B5EF4-FFF2-40B4-BE49-F238E27FC236}">
-                <a16:creationId xmlns:a16="http://schemas.microsoft.com/office/drawing/2014/main" id="{CF7CA670-EFA3-47EE-93E2-765A300A46B2}"/>
-              </a:ext>
-            </a:extLst>
-          </p:cNvPr>
-          <p:cNvSpPr>
-            <a:spLocks noGrp="1"/>
-          </p:cNvSpPr>
-          <p:nvPr>
-            <p:ph idx="1"/>
-          </p:nvPr>
-        </p:nvSpPr>
-        <p:spPr/>
-        <p:txBody>
-          <a:bodyPr/>
-          <a:lstStyle/>
-          <a:p>
-            <a:endParaRPr lang="en-US"/>
           </a:p>
         </p:txBody>
       </p:sp>
@@ -4873,7 +4586,7 @@
         </p:blipFill>
         <p:spPr>
           <a:xfrm>
-            <a:off x="1948222" y="1569244"/>
+            <a:off x="1948222" y="2359819"/>
             <a:ext cx="8295556" cy="2393950"/>
           </a:xfrm>
           <a:prstGeom prst="rect">
@@ -4885,89 +4598,6 @@
     <p:extLst>
       <p:ext uri="{BB962C8B-B14F-4D97-AF65-F5344CB8AC3E}">
         <p14:creationId xmlns:p14="http://schemas.microsoft.com/office/powerpoint/2010/main" val="4200117558"/>
-      </p:ext>
-    </p:extLst>
-  </p:cSld>
-  <p:clrMapOvr>
-    <a:masterClrMapping/>
-  </p:clrMapOvr>
-</p:sld>
-</file>
-
-<file path=ppt/slides/slide9.xml><?xml version="1.0" encoding="utf-8"?>
-<p:sld xmlns:a="http://schemas.openxmlformats.org/drawingml/2006/main" xmlns:r="http://schemas.openxmlformats.org/officeDocument/2006/relationships" xmlns:p="http://schemas.openxmlformats.org/presentationml/2006/main">
-  <p:cSld>
-    <p:spTree>
-      <p:nvGrpSpPr>
-        <p:cNvPr id="1" name=""/>
-        <p:cNvGrpSpPr/>
-        <p:nvPr/>
-      </p:nvGrpSpPr>
-      <p:grpSpPr>
-        <a:xfrm>
-          <a:off x="0" y="0"/>
-          <a:ext cx="0" cy="0"/>
-          <a:chOff x="0" y="0"/>
-          <a:chExt cx="0" cy="0"/>
-        </a:xfrm>
-      </p:grpSpPr>
-      <p:sp>
-        <p:nvSpPr>
-          <p:cNvPr id="2" name="Title 1">
-            <a:extLst>
-              <a:ext uri="{FF2B5EF4-FFF2-40B4-BE49-F238E27FC236}">
-                <a16:creationId xmlns:a16="http://schemas.microsoft.com/office/drawing/2014/main" id="{BC0D4BEC-8963-4CF0-8A46-9B792A5AD357}"/>
-              </a:ext>
-            </a:extLst>
-          </p:cNvPr>
-          <p:cNvSpPr>
-            <a:spLocks noGrp="1"/>
-          </p:cNvSpPr>
-          <p:nvPr>
-            <p:ph type="title"/>
-          </p:nvPr>
-        </p:nvSpPr>
-        <p:spPr/>
-        <p:txBody>
-          <a:bodyPr/>
-          <a:lstStyle/>
-          <a:p>
-            <a:r>
-              <a:rPr lang="en-US" dirty="0"/>
-              <a:t>Clock</a:t>
-            </a:r>
-          </a:p>
-        </p:txBody>
-      </p:sp>
-      <p:sp>
-        <p:nvSpPr>
-          <p:cNvPr id="3" name="Content Placeholder 2">
-            <a:extLst>
-              <a:ext uri="{FF2B5EF4-FFF2-40B4-BE49-F238E27FC236}">
-                <a16:creationId xmlns:a16="http://schemas.microsoft.com/office/drawing/2014/main" id="{01DABC02-A9F5-412B-A57F-0A6E6117F863}"/>
-              </a:ext>
-            </a:extLst>
-          </p:cNvPr>
-          <p:cNvSpPr>
-            <a:spLocks noGrp="1"/>
-          </p:cNvSpPr>
-          <p:nvPr>
-            <p:ph idx="1"/>
-          </p:nvPr>
-        </p:nvSpPr>
-        <p:spPr/>
-        <p:txBody>
-          <a:bodyPr/>
-          <a:lstStyle/>
-          <a:p>
-            <a:endParaRPr lang="en-US"/>
-          </a:p>
-        </p:txBody>
-      </p:sp>
-    </p:spTree>
-    <p:extLst>
-      <p:ext uri="{BB962C8B-B14F-4D97-AF65-F5344CB8AC3E}">
-        <p14:creationId xmlns:p14="http://schemas.microsoft.com/office/powerpoint/2010/main" val="776380728"/>
       </p:ext>
     </p:extLst>
   </p:cSld>

--- a/Documents/USTTL Sunum.pptx
+++ b/Documents/USTTL Sunum.pptx
@@ -264,7 +264,7 @@
           <a:p>
             <a:fld id="{DAA4956B-BC1A-4B8D-8ADC-F66019E16DDF}" type="datetimeFigureOut">
               <a:rPr lang="en-US" smtClean="0"/>
-              <a:t>12/4/2022</a:t>
+              <a:t>12/5/2022</a:t>
             </a:fld>
             <a:endParaRPr lang="en-US"/>
           </a:p>
@@ -462,7 +462,7 @@
           <a:p>
             <a:fld id="{DAA4956B-BC1A-4B8D-8ADC-F66019E16DDF}" type="datetimeFigureOut">
               <a:rPr lang="en-US" smtClean="0"/>
-              <a:t>12/4/2022</a:t>
+              <a:t>12/5/2022</a:t>
             </a:fld>
             <a:endParaRPr lang="en-US"/>
           </a:p>
@@ -670,7 +670,7 @@
           <a:p>
             <a:fld id="{DAA4956B-BC1A-4B8D-8ADC-F66019E16DDF}" type="datetimeFigureOut">
               <a:rPr lang="en-US" smtClean="0"/>
-              <a:t>12/4/2022</a:t>
+              <a:t>12/5/2022</a:t>
             </a:fld>
             <a:endParaRPr lang="en-US"/>
           </a:p>
@@ -868,7 +868,7 @@
           <a:p>
             <a:fld id="{DAA4956B-BC1A-4B8D-8ADC-F66019E16DDF}" type="datetimeFigureOut">
               <a:rPr lang="en-US" smtClean="0"/>
-              <a:t>12/4/2022</a:t>
+              <a:t>12/5/2022</a:t>
             </a:fld>
             <a:endParaRPr lang="en-US"/>
           </a:p>
@@ -1143,7 +1143,7 @@
           <a:p>
             <a:fld id="{DAA4956B-BC1A-4B8D-8ADC-F66019E16DDF}" type="datetimeFigureOut">
               <a:rPr lang="en-US" smtClean="0"/>
-              <a:t>12/4/2022</a:t>
+              <a:t>12/5/2022</a:t>
             </a:fld>
             <a:endParaRPr lang="en-US"/>
           </a:p>
@@ -1408,7 +1408,7 @@
           <a:p>
             <a:fld id="{DAA4956B-BC1A-4B8D-8ADC-F66019E16DDF}" type="datetimeFigureOut">
               <a:rPr lang="en-US" smtClean="0"/>
-              <a:t>12/4/2022</a:t>
+              <a:t>12/5/2022</a:t>
             </a:fld>
             <a:endParaRPr lang="en-US"/>
           </a:p>
@@ -1820,7 +1820,7 @@
           <a:p>
             <a:fld id="{DAA4956B-BC1A-4B8D-8ADC-F66019E16DDF}" type="datetimeFigureOut">
               <a:rPr lang="en-US" smtClean="0"/>
-              <a:t>12/4/2022</a:t>
+              <a:t>12/5/2022</a:t>
             </a:fld>
             <a:endParaRPr lang="en-US"/>
           </a:p>
@@ -1961,7 +1961,7 @@
           <a:p>
             <a:fld id="{DAA4956B-BC1A-4B8D-8ADC-F66019E16DDF}" type="datetimeFigureOut">
               <a:rPr lang="en-US" smtClean="0"/>
-              <a:t>12/4/2022</a:t>
+              <a:t>12/5/2022</a:t>
             </a:fld>
             <a:endParaRPr lang="en-US"/>
           </a:p>
@@ -2074,7 +2074,7 @@
           <a:p>
             <a:fld id="{DAA4956B-BC1A-4B8D-8ADC-F66019E16DDF}" type="datetimeFigureOut">
               <a:rPr lang="en-US" smtClean="0"/>
-              <a:t>12/4/2022</a:t>
+              <a:t>12/5/2022</a:t>
             </a:fld>
             <a:endParaRPr lang="en-US"/>
           </a:p>
@@ -2385,7 +2385,7 @@
           <a:p>
             <a:fld id="{DAA4956B-BC1A-4B8D-8ADC-F66019E16DDF}" type="datetimeFigureOut">
               <a:rPr lang="en-US" smtClean="0"/>
-              <a:t>12/4/2022</a:t>
+              <a:t>12/5/2022</a:t>
             </a:fld>
             <a:endParaRPr lang="en-US"/>
           </a:p>
@@ -2673,7 +2673,7 @@
           <a:p>
             <a:fld id="{DAA4956B-BC1A-4B8D-8ADC-F66019E16DDF}" type="datetimeFigureOut">
               <a:rPr lang="en-US" smtClean="0"/>
-              <a:t>12/4/2022</a:t>
+              <a:t>12/5/2022</a:t>
             </a:fld>
             <a:endParaRPr lang="en-US"/>
           </a:p>
@@ -2914,7 +2914,7 @@
           <a:p>
             <a:fld id="{DAA4956B-BC1A-4B8D-8ADC-F66019E16DDF}" type="datetimeFigureOut">
               <a:rPr lang="en-US" smtClean="0"/>
-              <a:t>12/4/2022</a:t>
+              <a:t>12/5/2022</a:t>
             </a:fld>
             <a:endParaRPr lang="en-US"/>
           </a:p>
@@ -3736,7 +3736,7 @@
           <a:p>
             <a:r>
               <a:rPr lang="en-US" dirty="0"/>
-              <a:t>Memory</a:t>
+              <a:t>Memory and Communication</a:t>
             </a:r>
           </a:p>
         </p:txBody>
@@ -3767,7 +3767,7 @@
             </p:spPr>
             <p:txBody>
               <a:bodyPr>
-                <a:normAutofit/>
+                <a:normAutofit fontScale="85000" lnSpcReduction="10000"/>
               </a:bodyPr>
               <a:lstStyle/>
               <a:p>
@@ -4264,7 +4264,42 @@
                       <a:rPr lang="en-US" b="0" i="1" smtClean="0">
                         <a:latin typeface="Cambria Math" panose="02040503050406030204" pitchFamily="18" charset="0"/>
                       </a:rPr>
-                      <m:t>=</m:t>
+                      <m:t>=21∗4</m:t>
+                    </m:r>
+                    <m:r>
+                      <a:rPr lang="en-US" b="0" i="1" smtClean="0">
+                        <a:latin typeface="Cambria Math" panose="02040503050406030204" pitchFamily="18" charset="0"/>
+                      </a:rPr>
+                      <m:t>𝐵</m:t>
+                    </m:r>
+                    <m:r>
+                      <a:rPr lang="en-US" b="0" i="1" smtClean="0">
+                        <a:latin typeface="Cambria Math" panose="02040503050406030204" pitchFamily="18" charset="0"/>
+                      </a:rPr>
+                      <m:t>∗1∗</m:t>
+                    </m:r>
+                    <m:d>
+                      <m:dPr>
+                        <m:ctrlPr>
+                          <a:rPr lang="en-US" b="0" i="1" smtClean="0">
+                            <a:latin typeface="Cambria Math" panose="02040503050406030204" pitchFamily="18" charset="0"/>
+                          </a:rPr>
+                        </m:ctrlPr>
+                      </m:dPr>
+                      <m:e>
+                        <m:r>
+                          <a:rPr lang="en-US" b="0" i="1" smtClean="0">
+                            <a:latin typeface="Cambria Math" panose="02040503050406030204" pitchFamily="18" charset="0"/>
+                          </a:rPr>
+                          <m:t>3600∗15</m:t>
+                        </m:r>
+                      </m:e>
+                    </m:d>
+                    <m:r>
+                      <a:rPr lang="en-US" b="0" i="1" smtClean="0">
+                        <a:latin typeface="Cambria Math" panose="02040503050406030204" pitchFamily="18" charset="0"/>
+                      </a:rPr>
+                      <m:t>≈</m:t>
                     </m:r>
                     <m:r>
                       <a:rPr lang="en-US" b="0" i="1" smtClean="0">
@@ -4273,7 +4308,7 @@
                         </a:solidFill>
                         <a:latin typeface="Cambria Math" panose="02040503050406030204" pitchFamily="18" charset="0"/>
                       </a:rPr>
-                      <m:t>𝑠𝑚𝑎𝑙</m:t>
+                      <m:t>4.3 </m:t>
                     </m:r>
                     <m:r>
                       <a:rPr lang="en-US" b="0" i="1" smtClean="0">
@@ -4282,20 +4317,15 @@
                         </a:solidFill>
                         <a:latin typeface="Cambria Math" panose="02040503050406030204" pitchFamily="18" charset="0"/>
                       </a:rPr>
-                      <m:t> </m:t>
-                    </m:r>
-                    <m:r>
-                      <a:rPr lang="en-US" b="0" i="1" smtClean="0">
-                        <a:solidFill>
-                          <a:srgbClr val="FF0000"/>
-                        </a:solidFill>
-                        <a:latin typeface="Cambria Math" panose="02040503050406030204" pitchFamily="18" charset="0"/>
-                      </a:rPr>
-                      <m:t>𝑝𝑝</m:t>
+                      <m:t>𝑀𝐵</m:t>
                     </m:r>
                   </m:oMath>
                 </a14:m>
-                <a:endParaRPr lang="en-US" dirty="0"/>
+                <a:endParaRPr lang="en-US" dirty="0">
+                  <a:solidFill>
+                    <a:srgbClr val="FF0000"/>
+                  </a:solidFill>
+                </a:endParaRPr>
               </a:p>
               <a:p>
                 <a:r>
@@ -4404,7 +4434,48 @@
                       <a:rPr lang="en-US" b="0" i="1" smtClean="0">
                         <a:latin typeface="Cambria Math" panose="02040503050406030204" pitchFamily="18" charset="0"/>
                       </a:rPr>
-                      <m:t>=600∗600=</m:t>
+                      <m:t>=</m:t>
+                    </m:r>
+                    <m:r>
+                      <a:rPr lang="en-US" b="0" i="1" smtClean="0">
+                        <a:latin typeface="Cambria Math" panose="02040503050406030204" pitchFamily="18" charset="0"/>
+                      </a:rPr>
+                      <m:t>1200</m:t>
+                    </m:r>
+                    <m:r>
+                      <a:rPr lang="en-US" b="0" i="1" smtClean="0">
+                        <a:latin typeface="Cambria Math" panose="02040503050406030204" pitchFamily="18" charset="0"/>
+                      </a:rPr>
+                      <m:t>∗</m:t>
+                    </m:r>
+                    <m:r>
+                      <a:rPr lang="en-US" b="0" i="1" smtClean="0">
+                        <a:latin typeface="Cambria Math" panose="02040503050406030204" pitchFamily="18" charset="0"/>
+                      </a:rPr>
+                      <m:t>0.4∗</m:t>
+                    </m:r>
+                    <m:d>
+                      <m:dPr>
+                        <m:ctrlPr>
+                          <a:rPr lang="en-US" b="0" i="1" smtClean="0">
+                            <a:latin typeface="Cambria Math" panose="02040503050406030204" pitchFamily="18" charset="0"/>
+                          </a:rPr>
+                        </m:ctrlPr>
+                      </m:dPr>
+                      <m:e>
+                        <m:r>
+                          <a:rPr lang="en-US" b="0" i="1" smtClean="0">
+                            <a:latin typeface="Cambria Math" panose="02040503050406030204" pitchFamily="18" charset="0"/>
+                          </a:rPr>
+                          <m:t>550∗6</m:t>
+                        </m:r>
+                      </m:e>
+                    </m:d>
+                    <m:r>
+                      <a:rPr lang="en-US" b="0" i="1" smtClean="0">
+                        <a:latin typeface="Cambria Math" panose="02040503050406030204" pitchFamily="18" charset="0"/>
+                      </a:rPr>
+                      <m:t>≈</m:t>
                     </m:r>
                     <m:r>
                       <a:rPr lang="en-US" b="0" i="1" smtClean="0">
@@ -4413,7 +4484,7 @@
                         </a:solidFill>
                         <a:latin typeface="Cambria Math" panose="02040503050406030204" pitchFamily="18" charset="0"/>
                       </a:rPr>
-                      <m:t>360</m:t>
+                      <m:t>1.5</m:t>
                     </m:r>
                     <m:f>
                       <m:fPr>
@@ -4434,7 +4505,16 @@
                             </a:solidFill>
                             <a:latin typeface="Cambria Math" panose="02040503050406030204" pitchFamily="18" charset="0"/>
                           </a:rPr>
-                          <m:t>𝑘𝐵</m:t>
+                          <m:t>𝑀</m:t>
+                        </m:r>
+                        <m:r>
+                          <a:rPr lang="en-US" b="0" i="1" smtClean="0">
+                            <a:solidFill>
+                              <a:srgbClr val="FF0000"/>
+                            </a:solidFill>
+                            <a:latin typeface="Cambria Math" panose="02040503050406030204" pitchFamily="18" charset="0"/>
+                          </a:rPr>
+                          <m:t>𝐵</m:t>
                         </m:r>
                       </m:num>
                       <m:den>
@@ -4449,14 +4529,120 @@
                         </m:r>
                       </m:den>
                     </m:f>
+                    <m:r>
+                      <a:rPr lang="en-US" b="0" i="1" smtClean="0">
+                        <a:solidFill>
+                          <a:srgbClr val="FF0000"/>
+                        </a:solidFill>
+                        <a:latin typeface="Cambria Math" panose="02040503050406030204" pitchFamily="18" charset="0"/>
+                      </a:rPr>
+                      <m:t>   </m:t>
+                    </m:r>
+                    <m:r>
+                      <a:rPr lang="en-US" b="0" i="1" smtClean="0">
+                        <a:solidFill>
+                          <a:schemeClr val="tx1"/>
+                        </a:solidFill>
+                        <a:latin typeface="Cambria Math" panose="02040503050406030204" pitchFamily="18" charset="0"/>
+                      </a:rPr>
+                      <m:t>(</m:t>
+                    </m:r>
+                    <m:r>
+                      <a:rPr lang="en-US" b="0" i="1" smtClean="0">
+                        <a:solidFill>
+                          <a:schemeClr val="tx1"/>
+                        </a:solidFill>
+                        <a:latin typeface="Cambria Math" panose="02040503050406030204" pitchFamily="18" charset="0"/>
+                      </a:rPr>
+                      <m:t>𝑇</m:t>
+                    </m:r>
+                    <m:r>
+                      <a:rPr lang="en-US" b="0" i="1" smtClean="0">
+                        <a:solidFill>
+                          <a:schemeClr val="tx1"/>
+                        </a:solidFill>
+                        <a:latin typeface="Cambria Math" panose="02040503050406030204" pitchFamily="18" charset="0"/>
+                      </a:rPr>
+                      <m:t>≈23</m:t>
+                    </m:r>
+                    <m:r>
+                      <a:rPr lang="en-US" b="0" i="1" smtClean="0">
+                        <a:solidFill>
+                          <a:schemeClr val="tx1"/>
+                        </a:solidFill>
+                        <a:latin typeface="Cambria Math" panose="02040503050406030204" pitchFamily="18" charset="0"/>
+                      </a:rPr>
+                      <m:t>𝐻𝑜𝑢𝑟𝑠</m:t>
+                    </m:r>
+                    <m:r>
+                      <a:rPr lang="en-US" b="0" i="1" smtClean="0">
+                        <a:solidFill>
+                          <a:schemeClr val="tx1"/>
+                        </a:solidFill>
+                        <a:latin typeface="Cambria Math" panose="02040503050406030204" pitchFamily="18" charset="0"/>
+                      </a:rPr>
+                      <m:t>, 10 </m:t>
+                    </m:r>
+                    <m:r>
+                      <a:rPr lang="en-US" b="0" i="1" smtClean="0">
+                        <a:solidFill>
+                          <a:schemeClr val="tx1"/>
+                        </a:solidFill>
+                        <a:latin typeface="Cambria Math" panose="02040503050406030204" pitchFamily="18" charset="0"/>
+                      </a:rPr>
+                      <m:t>𝑚𝑖𝑠𝑠𝑒𝑠</m:t>
+                    </m:r>
+                    <m:r>
+                      <a:rPr lang="en-US" b="0" i="1" smtClean="0">
+                        <a:solidFill>
+                          <a:schemeClr val="tx1"/>
+                        </a:solidFill>
+                        <a:latin typeface="Cambria Math" panose="02040503050406030204" pitchFamily="18" charset="0"/>
+                      </a:rPr>
+                      <m:t>, 6 </m:t>
+                    </m:r>
+                    <m:r>
+                      <a:rPr lang="en-US" b="0" i="1" smtClean="0">
+                        <a:solidFill>
+                          <a:schemeClr val="tx1"/>
+                        </a:solidFill>
+                        <a:latin typeface="Cambria Math" panose="02040503050406030204" pitchFamily="18" charset="0"/>
+                      </a:rPr>
+                      <m:t>𝑙𝑖𝑛𝑘𝑠</m:t>
+                    </m:r>
+                    <m:r>
+                      <a:rPr lang="en-US" b="0" i="1" smtClean="0">
+                        <a:solidFill>
+                          <a:schemeClr val="tx1"/>
+                        </a:solidFill>
+                        <a:latin typeface="Cambria Math" panose="02040503050406030204" pitchFamily="18" charset="0"/>
+                      </a:rPr>
+                      <m:t>)</m:t>
+                    </m:r>
                   </m:oMath>
                 </a14:m>
-                <a:endParaRPr lang="en-US" dirty="0"/>
+                <a:endParaRPr lang="en-US" dirty="0">
+                  <a:solidFill>
+                    <a:schemeClr val="tx1"/>
+                  </a:solidFill>
+                </a:endParaRPr>
               </a:p>
               <a:p>
                 <a:r>
                   <a:rPr lang="en-US" dirty="0"/>
-                  <a:t>Other Data</a:t>
+                  <a:t>Dosimeter</a:t>
+                </a:r>
+              </a:p>
+              <a:p>
+                <a:r>
+                  <a:rPr lang="en-US" dirty="0"/>
+                  <a:t>Muon Detector</a:t>
+                </a:r>
+              </a:p>
+              <a:p>
+                <a:r>
+                  <a:rPr lang="en-US" dirty="0"/>
+                  <a:t>Housekeeping Data</a:t>
                 </a:r>
               </a:p>
             </p:txBody>
@@ -4487,7 +4673,7 @@
               <a:blipFill>
                 <a:blip r:embed="rId2"/>
                 <a:stretch>
-                  <a:fillRect l="-1043" t="-1887" b="-1651"/>
+                  <a:fillRect l="-812" t="-2241" b="-1179"/>
                 </a:stretch>
               </a:blipFill>
             </p:spPr>
@@ -4594,6 +4780,49 @@
           </a:prstGeom>
         </p:spPr>
       </p:pic>
+      <p:sp>
+        <p:nvSpPr>
+          <p:cNvPr id="3" name="TextBox 2">
+            <a:extLst>
+              <a:ext uri="{FF2B5EF4-FFF2-40B4-BE49-F238E27FC236}">
+                <a16:creationId xmlns:a16="http://schemas.microsoft.com/office/drawing/2014/main" id="{CC0627B8-D1F3-4A1D-96F5-DBE75EEA303B}"/>
+              </a:ext>
+            </a:extLst>
+          </p:cNvPr>
+          <p:cNvSpPr txBox="1"/>
+          <p:nvPr/>
+        </p:nvSpPr>
+        <p:spPr>
+          <a:xfrm>
+            <a:off x="8799482" y="6488668"/>
+            <a:ext cx="3392518" cy="369332"/>
+          </a:xfrm>
+          <a:prstGeom prst="rect">
+            <a:avLst/>
+          </a:prstGeom>
+          <a:noFill/>
+        </p:spPr>
+        <p:txBody>
+          <a:bodyPr wrap="square" rtlCol="0">
+            <a:spAutoFit/>
+          </a:bodyPr>
+          <a:lstStyle/>
+          <a:p>
+            <a:r>
+              <a:rPr lang="en-US" dirty="0"/>
+              <a:t>[1] </a:t>
+            </a:r>
+            <a:r>
+              <a:rPr lang="en-US" dirty="0" err="1"/>
+              <a:t>Swisscube</a:t>
+            </a:r>
+            <a:r>
+              <a:rPr lang="en-US" dirty="0"/>
+              <a:t> Phase B OBC report</a:t>
+            </a:r>
+          </a:p>
+        </p:txBody>
+      </p:sp>
     </p:spTree>
     <p:extLst>
       <p:ext uri="{BB962C8B-B14F-4D97-AF65-F5344CB8AC3E}">
